--- a/05-AL-Reporting.pptx
+++ b/05-AL-Reporting.pptx
@@ -5,10 +5,10 @@
     <p:sldMasterId id="2147483648" r:id="rId5"/>
   </p:sldMasterIdLst>
   <p:notesMasterIdLst>
-    <p:notesMasterId r:id="rId31"/>
+    <p:notesMasterId r:id="rId33"/>
   </p:notesMasterIdLst>
   <p:handoutMasterIdLst>
-    <p:handoutMasterId r:id="rId32"/>
+    <p:handoutMasterId r:id="rId34"/>
   </p:handoutMasterIdLst>
   <p:sldIdLst>
     <p:sldId id="262" r:id="rId6"/>
@@ -32,10 +32,12 @@
     <p:sldId id="314" r:id="rId24"/>
     <p:sldId id="315" r:id="rId25"/>
     <p:sldId id="316" r:id="rId26"/>
-    <p:sldId id="319" r:id="rId27"/>
-    <p:sldId id="317" r:id="rId28"/>
-    <p:sldId id="318" r:id="rId29"/>
-    <p:sldId id="296" r:id="rId30"/>
+    <p:sldId id="320" r:id="rId27"/>
+    <p:sldId id="319" r:id="rId28"/>
+    <p:sldId id="317" r:id="rId29"/>
+    <p:sldId id="321" r:id="rId30"/>
+    <p:sldId id="318" r:id="rId31"/>
+    <p:sldId id="296" r:id="rId32"/>
   </p:sldIdLst>
   <p:sldSz cx="12192000" cy="6858000"/>
   <p:notesSz cx="6797675" cy="9926638"/>
@@ -422,7 +424,7 @@
           <a:p>
             <a:fld id="{43A63FE7-1668-4819-BE6C-CCF7EFF03D34}" type="datetimeFigureOut">
               <a:rPr lang="de-DE" smtClean="0"/>
-              <a:t>14.06.2018</a:t>
+              <a:t>10.10.2018</a:t>
             </a:fld>
             <a:endParaRPr lang="de-DE"/>
           </a:p>
@@ -587,7 +589,7 @@
           <a:p>
             <a:fld id="{6EE813A4-45F6-4281-AE36-5A4ED4B157C0}" type="datetimeFigureOut">
               <a:rPr lang="de-DE" smtClean="0"/>
-              <a:t>14.06.2018</a:t>
+              <a:t>10.10.2018</a:t>
             </a:fld>
             <a:endParaRPr lang="de-DE"/>
           </a:p>
@@ -1286,7 +1288,7 @@
           <a:effectLst/>
           <a:extLst>
             <a:ext uri="{AF507438-7753-43e0-B8FC-AC1667EBCBE1}">
-              <a14:hiddenEffects xmlns="" xmlns:a14="http://schemas.microsoft.com/office/drawing/2010/main">
+              <a14:hiddenEffects xmlns:a14="http://schemas.microsoft.com/office/drawing/2010/main" xmlns="">
                 <a:effectLst>
                   <a:outerShdw dist="35921" dir="2700000" algn="ctr" rotWithShape="0">
                     <a:schemeClr val="bg2"/>
@@ -1326,7 +1328,7 @@
           <a:effectLst/>
           <a:extLst>
             <a:ext uri="{AF507438-7753-43e0-B8FC-AC1667EBCBE1}">
-              <a14:hiddenEffects xmlns="" xmlns:a14="http://schemas.microsoft.com/office/drawing/2010/main">
+              <a14:hiddenEffects xmlns:a14="http://schemas.microsoft.com/office/drawing/2010/main" xmlns="">
                 <a:effectLst>
                   <a:outerShdw dist="35921" dir="2700000" algn="ctr" rotWithShape="0">
                     <a:schemeClr val="bg2"/>
@@ -1366,7 +1368,7 @@
           <a:effectLst/>
           <a:extLst>
             <a:ext uri="{AF507438-7753-43e0-B8FC-AC1667EBCBE1}">
-              <a14:hiddenEffects xmlns="" xmlns:a14="http://schemas.microsoft.com/office/drawing/2010/main">
+              <a14:hiddenEffects xmlns:a14="http://schemas.microsoft.com/office/drawing/2010/main" xmlns="">
                 <a:effectLst>
                   <a:outerShdw dist="35921" dir="2700000" algn="ctr" rotWithShape="0">
                     <a:schemeClr val="bg2"/>
@@ -1406,7 +1408,7 @@
           <a:effectLst/>
           <a:extLst>
             <a:ext uri="{AF507438-7753-43e0-B8FC-AC1667EBCBE1}">
-              <a14:hiddenEffects xmlns="" xmlns:a14="http://schemas.microsoft.com/office/drawing/2010/main">
+              <a14:hiddenEffects xmlns:a14="http://schemas.microsoft.com/office/drawing/2010/main" xmlns="">
                 <a:effectLst>
                   <a:outerShdw dist="35921" dir="2700000" algn="ctr" rotWithShape="0">
                     <a:schemeClr val="bg2"/>
@@ -2498,7 +2500,7 @@
           <a:effectLst/>
           <a:extLst>
             <a:ext uri="{AF507438-7753-43e0-B8FC-AC1667EBCBE1}">
-              <a14:hiddenEffects xmlns="" xmlns:a14="http://schemas.microsoft.com/office/drawing/2010/main">
+              <a14:hiddenEffects xmlns:a14="http://schemas.microsoft.com/office/drawing/2010/main" xmlns="">
                 <a:effectLst>
                   <a:outerShdw dist="35921" dir="2700000" algn="ctr" rotWithShape="0">
                     <a:schemeClr val="bg2"/>
@@ -2552,7 +2554,7 @@
             <a:effectLst/>
             <a:extLst>
               <a:ext uri="{AF507438-7753-43e0-B8FC-AC1667EBCBE1}">
-                <a14:hiddenEffects xmlns="" xmlns:a14="http://schemas.microsoft.com/office/drawing/2010/main">
+                <a14:hiddenEffects xmlns:a14="http://schemas.microsoft.com/office/drawing/2010/main" xmlns="">
                   <a:effectLst>
                     <a:outerShdw dist="35921" dir="2700000" algn="ctr" rotWithShape="0">
                       <a:schemeClr val="bg2"/>
@@ -2592,7 +2594,7 @@
             <a:effectLst/>
             <a:extLst>
               <a:ext uri="{AF507438-7753-43e0-B8FC-AC1667EBCBE1}">
-                <a14:hiddenEffects xmlns="" xmlns:a14="http://schemas.microsoft.com/office/drawing/2010/main">
+                <a14:hiddenEffects xmlns:a14="http://schemas.microsoft.com/office/drawing/2010/main" xmlns="">
                   <a:effectLst>
                     <a:outerShdw dist="35921" dir="2700000" algn="ctr" rotWithShape="0">
                       <a:schemeClr val="bg2"/>
@@ -2920,7 +2922,7 @@
             <a:effectLst/>
             <a:extLst>
               <a:ext uri="{AF507438-7753-43e0-B8FC-AC1667EBCBE1}">
-                <a14:hiddenEffects xmlns="" xmlns:a14="http://schemas.microsoft.com/office/drawing/2010/main">
+                <a14:hiddenEffects xmlns:a14="http://schemas.microsoft.com/office/drawing/2010/main" xmlns="">
                   <a:effectLst>
                     <a:outerShdw dist="35921" dir="2700000" algn="ctr" rotWithShape="0">
                       <a:schemeClr val="bg2"/>
@@ -2960,7 +2962,7 @@
             <a:effectLst/>
             <a:extLst>
               <a:ext uri="{AF507438-7753-43e0-B8FC-AC1667EBCBE1}">
-                <a14:hiddenEffects xmlns="" xmlns:a14="http://schemas.microsoft.com/office/drawing/2010/main">
+                <a14:hiddenEffects xmlns:a14="http://schemas.microsoft.com/office/drawing/2010/main" xmlns="">
                   <a:effectLst>
                     <a:outerShdw dist="35921" dir="2700000" algn="ctr" rotWithShape="0">
                       <a:schemeClr val="bg2"/>
@@ -13780,12 +13782,18 @@
       </p:grpSpPr>
       <p:sp>
         <p:nvSpPr>
-          <p:cNvPr id="3" name="Datumsplatzhalter 2"/>
-          <p:cNvSpPr>
-            <a:spLocks noGrp="1"/>
-          </p:cNvSpPr>
-          <p:nvPr>
-            <p:ph type="dt" sz="half" idx="10"/>
+          <p:cNvPr id="2" name="Titel 1">
+            <a:extLst>
+              <a:ext uri="{FF2B5EF4-FFF2-40B4-BE49-F238E27FC236}">
+                <a16:creationId xmlns:a16="http://schemas.microsoft.com/office/drawing/2014/main" id="{E032E89A-4BD7-4E90-BF72-A3C9247E8FFF}"/>
+              </a:ext>
+            </a:extLst>
+          </p:cNvPr>
+          <p:cNvSpPr>
+            <a:spLocks noGrp="1"/>
+          </p:cNvSpPr>
+          <p:nvPr>
+            <p:ph type="title"/>
           </p:nvPr>
         </p:nvSpPr>
         <p:spPr/>
@@ -13794,6 +13802,383 @@
           <a:lstStyle/>
           <a:p>
             <a:r>
+              <a:rPr lang="de-DE" dirty="0"/>
+              <a:t>Hands On!</a:t>
+            </a:r>
+          </a:p>
+        </p:txBody>
+      </p:sp>
+      <p:sp>
+        <p:nvSpPr>
+          <p:cNvPr id="3" name="Datumsplatzhalter 2">
+            <a:extLst>
+              <a:ext uri="{FF2B5EF4-FFF2-40B4-BE49-F238E27FC236}">
+                <a16:creationId xmlns:a16="http://schemas.microsoft.com/office/drawing/2014/main" id="{2D451171-57B6-4367-92A5-943B2986547F}"/>
+              </a:ext>
+            </a:extLst>
+          </p:cNvPr>
+          <p:cNvSpPr>
+            <a:spLocks noGrp="1"/>
+          </p:cNvSpPr>
+          <p:nvPr>
+            <p:ph type="dt" sz="half" idx="2"/>
+          </p:nvPr>
+        </p:nvSpPr>
+        <p:spPr/>
+        <p:txBody>
+          <a:bodyPr/>
+          <a:lstStyle/>
+          <a:p>
+            <a:r>
+              <a:rPr lang="de-DE"/>
+              <a:t>COSMO CONSULT-Gruppe</a:t>
+            </a:r>
+            <a:endParaRPr lang="de-DE" dirty="0"/>
+          </a:p>
+        </p:txBody>
+      </p:sp>
+      <p:sp>
+        <p:nvSpPr>
+          <p:cNvPr id="4" name="Foliennummernplatzhalter 3">
+            <a:extLst>
+              <a:ext uri="{FF2B5EF4-FFF2-40B4-BE49-F238E27FC236}">
+                <a16:creationId xmlns:a16="http://schemas.microsoft.com/office/drawing/2014/main" id="{F5BDA213-C01E-45A0-BB10-E139B1C1EB58}"/>
+              </a:ext>
+            </a:extLst>
+          </p:cNvPr>
+          <p:cNvSpPr>
+            <a:spLocks noGrp="1"/>
+          </p:cNvSpPr>
+          <p:nvPr>
+            <p:ph type="sldNum" sz="quarter" idx="4"/>
+          </p:nvPr>
+        </p:nvSpPr>
+        <p:spPr/>
+        <p:txBody>
+          <a:bodyPr/>
+          <a:lstStyle/>
+          <a:p>
+            <a:r>
+              <a:rPr lang="de-DE"/>
+              <a:t> </a:t>
+            </a:r>
+            <a:fld id="{F0389FF0-EA6C-204E-82DF-16D97CC1B00E}" type="slidenum">
+              <a:rPr lang="de-DE" smtClean="0"/>
+              <a:pPr/>
+              <a:t>22</a:t>
+            </a:fld>
+            <a:endParaRPr lang="de-DE" dirty="0"/>
+          </a:p>
+        </p:txBody>
+      </p:sp>
+      <p:sp>
+        <p:nvSpPr>
+          <p:cNvPr id="5" name="Textplatzhalter 4">
+            <a:extLst>
+              <a:ext uri="{FF2B5EF4-FFF2-40B4-BE49-F238E27FC236}">
+                <a16:creationId xmlns:a16="http://schemas.microsoft.com/office/drawing/2014/main" id="{BE279791-D0A9-4754-9A5A-F03AD28D4DA7}"/>
+              </a:ext>
+            </a:extLst>
+          </p:cNvPr>
+          <p:cNvSpPr>
+            <a:spLocks noGrp="1"/>
+          </p:cNvSpPr>
+          <p:nvPr>
+            <p:ph type="body" sz="quarter" idx="10"/>
+          </p:nvPr>
+        </p:nvSpPr>
+        <p:spPr/>
+        <p:txBody>
+          <a:bodyPr/>
+          <a:lstStyle/>
+          <a:p>
+            <a:pPr marL="0" indent="0">
+              <a:buNone/>
+            </a:pPr>
+            <a:r>
+              <a:rPr lang="de-DE" dirty="0"/>
+              <a:t> </a:t>
+            </a:r>
+          </a:p>
+        </p:txBody>
+      </p:sp>
+      <p:sp>
+        <p:nvSpPr>
+          <p:cNvPr id="7" name="Textplatzhalter 4">
+            <a:extLst>
+              <a:ext uri="{FF2B5EF4-FFF2-40B4-BE49-F238E27FC236}">
+                <a16:creationId xmlns:a16="http://schemas.microsoft.com/office/drawing/2014/main" id="{2A66FC58-50B3-40B0-8CC4-A23D0E4BCA17}"/>
+              </a:ext>
+            </a:extLst>
+          </p:cNvPr>
+          <p:cNvSpPr txBox="1">
+            <a:spLocks/>
+          </p:cNvSpPr>
+          <p:nvPr/>
+        </p:nvSpPr>
+        <p:spPr>
+          <a:xfrm>
+            <a:off x="360000" y="1282420"/>
+            <a:ext cx="11466000" cy="4896000"/>
+          </a:xfrm>
+          <a:prstGeom prst="rect">
+            <a:avLst/>
+          </a:prstGeom>
+          <a:noFill/>
+          <a:ln w="12700">
+            <a:noFill/>
+            <a:miter lim="800000"/>
+          </a:ln>
+        </p:spPr>
+        <p:txBody>
+          <a:bodyPr vert="horz" lIns="0" tIns="0" rIns="0" bIns="0" rtlCol="0">
+            <a:noAutofit/>
+          </a:bodyPr>
+          <a:lstStyle>
+            <a:lvl1pPr marL="228600" indent="-228600" algn="l" defTabSz="914400" rtl="0" eaLnBrk="1" latinLnBrk="0" hangingPunct="1">
+              <a:lnSpc>
+                <a:spcPct val="100000"/>
+              </a:lnSpc>
+              <a:spcBef>
+                <a:spcPts val="1000"/>
+              </a:spcBef>
+              <a:buClr>
+                <a:srgbClr val="F5A748"/>
+              </a:buClr>
+              <a:buSzPct val="100000"/>
+              <a:buFontTx/>
+              <a:buBlip>
+                <a:blip r:embed="rId2"/>
+              </a:buBlip>
+              <a:defRPr sz="1800" b="0" i="0" kern="1200">
+                <a:solidFill>
+                  <a:schemeClr val="tx1"/>
+                </a:solidFill>
+                <a:latin typeface="Calibri Light"/>
+                <a:ea typeface="+mn-ea"/>
+                <a:cs typeface="Calibri Light"/>
+              </a:defRPr>
+            </a:lvl1pPr>
+            <a:lvl2pPr marL="685800" indent="-228600" algn="l" defTabSz="914400" rtl="0" eaLnBrk="1" latinLnBrk="0" hangingPunct="1">
+              <a:lnSpc>
+                <a:spcPct val="100000"/>
+              </a:lnSpc>
+              <a:spcBef>
+                <a:spcPts val="500"/>
+              </a:spcBef>
+              <a:buClr>
+                <a:srgbClr val="04276E"/>
+              </a:buClr>
+              <a:buFontTx/>
+              <a:buBlip>
+                <a:blip r:embed="rId3"/>
+              </a:buBlip>
+              <a:defRPr sz="1600" b="0" i="0" kern="1200" baseline="0">
+                <a:solidFill>
+                  <a:schemeClr val="tx1"/>
+                </a:solidFill>
+                <a:latin typeface="Calibri Light"/>
+                <a:ea typeface="+mn-ea"/>
+                <a:cs typeface="Calibri Light"/>
+              </a:defRPr>
+            </a:lvl2pPr>
+            <a:lvl3pPr marL="1143000" indent="-228600" algn="l" defTabSz="914400" rtl="0" eaLnBrk="1" latinLnBrk="0" hangingPunct="1">
+              <a:lnSpc>
+                <a:spcPct val="100000"/>
+              </a:lnSpc>
+              <a:spcBef>
+                <a:spcPts val="500"/>
+              </a:spcBef>
+              <a:buClr>
+                <a:schemeClr val="accent6">
+                  <a:lumMod val="75000"/>
+                </a:schemeClr>
+              </a:buClr>
+              <a:buFont typeface="Lucida Grande"/>
+              <a:buChar char="∙"/>
+              <a:defRPr sz="1400" b="0" i="0" kern="1200">
+                <a:solidFill>
+                  <a:schemeClr val="tx1"/>
+                </a:solidFill>
+                <a:latin typeface="Calibri Light"/>
+                <a:ea typeface="+mn-ea"/>
+                <a:cs typeface="Calibri Light"/>
+              </a:defRPr>
+            </a:lvl3pPr>
+            <a:lvl4pPr marL="1600200" indent="-228600" algn="l" defTabSz="914400" rtl="0" eaLnBrk="1" latinLnBrk="0" hangingPunct="1">
+              <a:lnSpc>
+                <a:spcPct val="100000"/>
+              </a:lnSpc>
+              <a:spcBef>
+                <a:spcPts val="500"/>
+              </a:spcBef>
+              <a:buClr>
+                <a:schemeClr val="accent6">
+                  <a:lumMod val="75000"/>
+                </a:schemeClr>
+              </a:buClr>
+              <a:buFont typeface="Lucida Grande"/>
+              <a:buChar char="∙"/>
+              <a:defRPr sz="1200" b="0" i="0" kern="1200" baseline="0">
+                <a:solidFill>
+                  <a:schemeClr val="tx1"/>
+                </a:solidFill>
+                <a:latin typeface="Calibri Light"/>
+                <a:ea typeface="+mn-ea"/>
+                <a:cs typeface="Calibri Light"/>
+              </a:defRPr>
+            </a:lvl4pPr>
+            <a:lvl5pPr marL="2057400" indent="-228600" algn="l" defTabSz="914400" rtl="0" eaLnBrk="1" latinLnBrk="0" hangingPunct="1">
+              <a:lnSpc>
+                <a:spcPct val="100000"/>
+              </a:lnSpc>
+              <a:spcBef>
+                <a:spcPts val="500"/>
+              </a:spcBef>
+              <a:buClr>
+                <a:schemeClr val="accent6">
+                  <a:lumMod val="75000"/>
+                </a:schemeClr>
+              </a:buClr>
+              <a:buFont typeface="Lucida Grande"/>
+              <a:buChar char="∙"/>
+              <a:defRPr sz="1200" b="0" i="0" kern="1200">
+                <a:solidFill>
+                  <a:schemeClr val="tx1"/>
+                </a:solidFill>
+                <a:latin typeface="Calibri Light"/>
+                <a:ea typeface="+mn-ea"/>
+                <a:cs typeface="Calibri Light"/>
+              </a:defRPr>
+            </a:lvl5pPr>
+            <a:lvl6pPr marL="2514600" indent="-228600" algn="l" defTabSz="914400" rtl="0" eaLnBrk="1" latinLnBrk="0" hangingPunct="1">
+              <a:lnSpc>
+                <a:spcPct val="90000"/>
+              </a:lnSpc>
+              <a:spcBef>
+                <a:spcPts val="500"/>
+              </a:spcBef>
+              <a:buFont typeface="Arial" panose="020B0604020202020204" pitchFamily="34" charset="0"/>
+              <a:buChar char="•"/>
+              <a:defRPr sz="1800" kern="1200">
+                <a:solidFill>
+                  <a:schemeClr val="tx1"/>
+                </a:solidFill>
+                <a:latin typeface="+mn-lt"/>
+                <a:ea typeface="+mn-ea"/>
+                <a:cs typeface="+mn-cs"/>
+              </a:defRPr>
+            </a:lvl6pPr>
+            <a:lvl7pPr marL="2971800" indent="-228600" algn="l" defTabSz="914400" rtl="0" eaLnBrk="1" latinLnBrk="0" hangingPunct="1">
+              <a:lnSpc>
+                <a:spcPct val="90000"/>
+              </a:lnSpc>
+              <a:spcBef>
+                <a:spcPts val="500"/>
+              </a:spcBef>
+              <a:buFont typeface="Arial" panose="020B0604020202020204" pitchFamily="34" charset="0"/>
+              <a:buChar char="•"/>
+              <a:defRPr sz="1800" kern="1200">
+                <a:solidFill>
+                  <a:schemeClr val="tx1"/>
+                </a:solidFill>
+                <a:latin typeface="+mn-lt"/>
+                <a:ea typeface="+mn-ea"/>
+                <a:cs typeface="+mn-cs"/>
+              </a:defRPr>
+            </a:lvl7pPr>
+            <a:lvl8pPr marL="3429000" indent="-228600" algn="l" defTabSz="914400" rtl="0" eaLnBrk="1" latinLnBrk="0" hangingPunct="1">
+              <a:lnSpc>
+                <a:spcPct val="90000"/>
+              </a:lnSpc>
+              <a:spcBef>
+                <a:spcPts val="500"/>
+              </a:spcBef>
+              <a:buFont typeface="Arial" panose="020B0604020202020204" pitchFamily="34" charset="0"/>
+              <a:buChar char="•"/>
+              <a:defRPr sz="1800" kern="1200">
+                <a:solidFill>
+                  <a:schemeClr val="tx1"/>
+                </a:solidFill>
+                <a:latin typeface="+mn-lt"/>
+                <a:ea typeface="+mn-ea"/>
+                <a:cs typeface="+mn-cs"/>
+              </a:defRPr>
+            </a:lvl8pPr>
+            <a:lvl9pPr marL="3886200" indent="-228600" algn="l" defTabSz="914400" rtl="0" eaLnBrk="1" latinLnBrk="0" hangingPunct="1">
+              <a:lnSpc>
+                <a:spcPct val="90000"/>
+              </a:lnSpc>
+              <a:spcBef>
+                <a:spcPts val="500"/>
+              </a:spcBef>
+              <a:buFont typeface="Arial" panose="020B0604020202020204" pitchFamily="34" charset="0"/>
+              <a:buChar char="•"/>
+              <a:defRPr sz="1800" kern="1200">
+                <a:solidFill>
+                  <a:schemeClr val="tx1"/>
+                </a:solidFill>
+                <a:latin typeface="+mn-lt"/>
+                <a:ea typeface="+mn-ea"/>
+                <a:cs typeface="+mn-cs"/>
+              </a:defRPr>
+            </a:lvl9pPr>
+          </a:lstStyle>
+          <a:p>
+            <a:r>
+              <a:rPr lang="en-US" dirty="0"/>
+              <a:t>Make a report for “Sales Quotes” using the same layout</a:t>
+            </a:r>
+            <a:endParaRPr lang="de-AT" dirty="0"/>
+          </a:p>
+        </p:txBody>
+      </p:sp>
+    </p:spTree>
+    <p:extLst>
+      <p:ext uri="{BB962C8B-B14F-4D97-AF65-F5344CB8AC3E}">
+        <p14:creationId xmlns:p14="http://schemas.microsoft.com/office/powerpoint/2010/main" val="588322120"/>
+      </p:ext>
+    </p:extLst>
+  </p:cSld>
+  <p:clrMapOvr>
+    <a:masterClrMapping/>
+  </p:clrMapOvr>
+</p:sld>
+</file>
+
+<file path=ppt/slides/slide23.xml><?xml version="1.0" encoding="utf-8"?>
+<p:sld xmlns:a="http://schemas.openxmlformats.org/drawingml/2006/main" xmlns:r="http://schemas.openxmlformats.org/officeDocument/2006/relationships" xmlns:p="http://schemas.openxmlformats.org/presentationml/2006/main">
+  <p:cSld>
+    <p:spTree>
+      <p:nvGrpSpPr>
+        <p:cNvPr id="1" name=""/>
+        <p:cNvGrpSpPr/>
+        <p:nvPr/>
+      </p:nvGrpSpPr>
+      <p:grpSpPr>
+        <a:xfrm>
+          <a:off x="0" y="0"/>
+          <a:ext cx="0" cy="0"/>
+          <a:chOff x="0" y="0"/>
+          <a:chExt cx="0" cy="0"/>
+        </a:xfrm>
+      </p:grpSpPr>
+      <p:sp>
+        <p:nvSpPr>
+          <p:cNvPr id="3" name="Datumsplatzhalter 2"/>
+          <p:cNvSpPr>
+            <a:spLocks noGrp="1"/>
+          </p:cNvSpPr>
+          <p:nvPr>
+            <p:ph type="dt" sz="half" idx="10"/>
+          </p:nvPr>
+        </p:nvSpPr>
+        <p:spPr/>
+        <p:txBody>
+          <a:bodyPr/>
+          <a:lstStyle/>
+          <a:p>
+            <a:r>
               <a:rPr lang="en-GB" dirty="0"/>
               <a:t>COSMO CONSULT-Gruppe</a:t>
             </a:r>
@@ -13817,7 +14202,7 @@
           <a:p>
             <a:fld id="{2DD39A07-95E1-44B6-B081-DB56D8861B48}" type="slidenum">
               <a:rPr lang="de-DE" smtClean="0"/>
-              <a:t>22</a:t>
+              <a:t>23</a:t>
             </a:fld>
             <a:endParaRPr lang="de-DE"/>
           </a:p>
@@ -14055,7 +14440,7 @@
 </p:sld>
 </file>
 
-<file path=ppt/slides/slide23.xml><?xml version="1.0" encoding="utf-8"?>
+<file path=ppt/slides/slide24.xml><?xml version="1.0" encoding="utf-8"?>
 <p:sld xmlns:a="http://schemas.openxmlformats.org/drawingml/2006/main" xmlns:r="http://schemas.openxmlformats.org/officeDocument/2006/relationships" xmlns:p="http://schemas.openxmlformats.org/presentationml/2006/main">
   <p:cSld>
     <p:spTree>
@@ -14158,7 +14543,7 @@
             <a:fld id="{F0389FF0-EA6C-204E-82DF-16D97CC1B00E}" type="slidenum">
               <a:rPr lang="de-DE" smtClean="0"/>
               <a:pPr/>
-              <a:t>23</a:t>
+              <a:t>24</a:t>
             </a:fld>
             <a:endParaRPr lang="de-DE" dirty="0"/>
           </a:p>
@@ -14456,6 +14841,13 @@
               <a:rPr lang="en-US" dirty="0"/>
               <a:t>Only possible for some documents</a:t>
             </a:r>
+          </a:p>
+          <a:p>
+            <a:pPr lvl="1"/>
+            <a:endParaRPr lang="en-US" dirty="0"/>
+          </a:p>
+          <a:p>
+            <a:pPr lvl="1"/>
             <a:endParaRPr lang="de-AT" dirty="0"/>
           </a:p>
           <a:p>
@@ -14504,7 +14896,7 @@
 </p:sld>
 </file>
 
-<file path=ppt/slides/slide24.xml><?xml version="1.0" encoding="utf-8"?>
+<file path=ppt/slides/slide25.xml><?xml version="1.0" encoding="utf-8"?>
 <p:sld xmlns:a="http://schemas.openxmlformats.org/drawingml/2006/main" xmlns:r="http://schemas.openxmlformats.org/officeDocument/2006/relationships" xmlns:p="http://schemas.openxmlformats.org/presentationml/2006/main">
   <p:cSld>
     <p:spTree>
@@ -14544,20 +14936,9 @@
           <a:p>
             <a:r>
               <a:rPr lang="de-DE" dirty="0" err="1"/>
-              <a:t>Make</a:t>
-            </a:r>
-            <a:r>
-              <a:rPr lang="de-DE" dirty="0"/>
-              <a:t> </a:t>
-            </a:r>
-            <a:r>
-              <a:rPr lang="de-DE" dirty="0" err="1"/>
-              <a:t>reports</a:t>
-            </a:r>
-            <a:r>
-              <a:rPr lang="de-DE" dirty="0"/>
-              <a:t> extensible</a:t>
-            </a:r>
+              <a:t>Customizations</a:t>
+            </a:r>
+            <a:endParaRPr lang="de-DE" dirty="0"/>
           </a:p>
         </p:txBody>
       </p:sp>
@@ -14618,7 +14999,486 @@
             <a:fld id="{F0389FF0-EA6C-204E-82DF-16D97CC1B00E}" type="slidenum">
               <a:rPr lang="de-DE" smtClean="0"/>
               <a:pPr/>
-              <a:t>24</a:t>
+              <a:t>25</a:t>
+            </a:fld>
+            <a:endParaRPr lang="de-DE" dirty="0"/>
+          </a:p>
+        </p:txBody>
+      </p:sp>
+      <p:sp>
+        <p:nvSpPr>
+          <p:cNvPr id="5" name="Textplatzhalter 4">
+            <a:extLst>
+              <a:ext uri="{FF2B5EF4-FFF2-40B4-BE49-F238E27FC236}">
+                <a16:creationId xmlns:a16="http://schemas.microsoft.com/office/drawing/2014/main" id="{BE279791-D0A9-4754-9A5A-F03AD28D4DA7}"/>
+              </a:ext>
+            </a:extLst>
+          </p:cNvPr>
+          <p:cNvSpPr>
+            <a:spLocks noGrp="1"/>
+          </p:cNvSpPr>
+          <p:nvPr>
+            <p:ph type="body" sz="quarter" idx="10"/>
+          </p:nvPr>
+        </p:nvSpPr>
+        <p:spPr/>
+        <p:txBody>
+          <a:bodyPr/>
+          <a:lstStyle/>
+          <a:p>
+            <a:pPr marL="0" indent="0">
+              <a:buNone/>
+            </a:pPr>
+            <a:r>
+              <a:rPr lang="de-DE" dirty="0"/>
+              <a:t> </a:t>
+            </a:r>
+          </a:p>
+        </p:txBody>
+      </p:sp>
+      <p:sp>
+        <p:nvSpPr>
+          <p:cNvPr id="7" name="Textplatzhalter 4">
+            <a:extLst>
+              <a:ext uri="{FF2B5EF4-FFF2-40B4-BE49-F238E27FC236}">
+                <a16:creationId xmlns:a16="http://schemas.microsoft.com/office/drawing/2014/main" id="{2A66FC58-50B3-40B0-8CC4-A23D0E4BCA17}"/>
+              </a:ext>
+            </a:extLst>
+          </p:cNvPr>
+          <p:cNvSpPr txBox="1">
+            <a:spLocks/>
+          </p:cNvSpPr>
+          <p:nvPr/>
+        </p:nvSpPr>
+        <p:spPr>
+          <a:xfrm>
+            <a:off x="360000" y="1224000"/>
+            <a:ext cx="11466000" cy="4896000"/>
+          </a:xfrm>
+          <a:prstGeom prst="rect">
+            <a:avLst/>
+          </a:prstGeom>
+          <a:noFill/>
+          <a:ln w="12700">
+            <a:noFill/>
+            <a:miter lim="800000"/>
+          </a:ln>
+        </p:spPr>
+        <p:txBody>
+          <a:bodyPr vert="horz" lIns="0" tIns="0" rIns="0" bIns="0" rtlCol="0">
+            <a:noAutofit/>
+          </a:bodyPr>
+          <a:lstStyle>
+            <a:lvl1pPr marL="228600" indent="-228600" algn="l" defTabSz="914400" rtl="0" eaLnBrk="1" latinLnBrk="0" hangingPunct="1">
+              <a:lnSpc>
+                <a:spcPct val="100000"/>
+              </a:lnSpc>
+              <a:spcBef>
+                <a:spcPts val="1000"/>
+              </a:spcBef>
+              <a:buClr>
+                <a:srgbClr val="F5A748"/>
+              </a:buClr>
+              <a:buSzPct val="100000"/>
+              <a:buFontTx/>
+              <a:buBlip>
+                <a:blip r:embed="rId2"/>
+              </a:buBlip>
+              <a:defRPr sz="1800" b="0" i="0" kern="1200">
+                <a:solidFill>
+                  <a:schemeClr val="tx1"/>
+                </a:solidFill>
+                <a:latin typeface="Calibri Light"/>
+                <a:ea typeface="+mn-ea"/>
+                <a:cs typeface="Calibri Light"/>
+              </a:defRPr>
+            </a:lvl1pPr>
+            <a:lvl2pPr marL="685800" indent="-228600" algn="l" defTabSz="914400" rtl="0" eaLnBrk="1" latinLnBrk="0" hangingPunct="1">
+              <a:lnSpc>
+                <a:spcPct val="100000"/>
+              </a:lnSpc>
+              <a:spcBef>
+                <a:spcPts val="500"/>
+              </a:spcBef>
+              <a:buClr>
+                <a:srgbClr val="04276E"/>
+              </a:buClr>
+              <a:buFontTx/>
+              <a:buBlip>
+                <a:blip r:embed="rId3"/>
+              </a:buBlip>
+              <a:defRPr sz="1600" b="0" i="0" kern="1200" baseline="0">
+                <a:solidFill>
+                  <a:schemeClr val="tx1"/>
+                </a:solidFill>
+                <a:latin typeface="Calibri Light"/>
+                <a:ea typeface="+mn-ea"/>
+                <a:cs typeface="Calibri Light"/>
+              </a:defRPr>
+            </a:lvl2pPr>
+            <a:lvl3pPr marL="1143000" indent="-228600" algn="l" defTabSz="914400" rtl="0" eaLnBrk="1" latinLnBrk="0" hangingPunct="1">
+              <a:lnSpc>
+                <a:spcPct val="100000"/>
+              </a:lnSpc>
+              <a:spcBef>
+                <a:spcPts val="500"/>
+              </a:spcBef>
+              <a:buClr>
+                <a:schemeClr val="accent6">
+                  <a:lumMod val="75000"/>
+                </a:schemeClr>
+              </a:buClr>
+              <a:buFont typeface="Lucida Grande"/>
+              <a:buChar char="∙"/>
+              <a:defRPr sz="1400" b="0" i="0" kern="1200">
+                <a:solidFill>
+                  <a:schemeClr val="tx1"/>
+                </a:solidFill>
+                <a:latin typeface="Calibri Light"/>
+                <a:ea typeface="+mn-ea"/>
+                <a:cs typeface="Calibri Light"/>
+              </a:defRPr>
+            </a:lvl3pPr>
+            <a:lvl4pPr marL="1600200" indent="-228600" algn="l" defTabSz="914400" rtl="0" eaLnBrk="1" latinLnBrk="0" hangingPunct="1">
+              <a:lnSpc>
+                <a:spcPct val="100000"/>
+              </a:lnSpc>
+              <a:spcBef>
+                <a:spcPts val="500"/>
+              </a:spcBef>
+              <a:buClr>
+                <a:schemeClr val="accent6">
+                  <a:lumMod val="75000"/>
+                </a:schemeClr>
+              </a:buClr>
+              <a:buFont typeface="Lucida Grande"/>
+              <a:buChar char="∙"/>
+              <a:defRPr sz="1200" b="0" i="0" kern="1200" baseline="0">
+                <a:solidFill>
+                  <a:schemeClr val="tx1"/>
+                </a:solidFill>
+                <a:latin typeface="Calibri Light"/>
+                <a:ea typeface="+mn-ea"/>
+                <a:cs typeface="Calibri Light"/>
+              </a:defRPr>
+            </a:lvl4pPr>
+            <a:lvl5pPr marL="2057400" indent="-228600" algn="l" defTabSz="914400" rtl="0" eaLnBrk="1" latinLnBrk="0" hangingPunct="1">
+              <a:lnSpc>
+                <a:spcPct val="100000"/>
+              </a:lnSpc>
+              <a:spcBef>
+                <a:spcPts val="500"/>
+              </a:spcBef>
+              <a:buClr>
+                <a:schemeClr val="accent6">
+                  <a:lumMod val="75000"/>
+                </a:schemeClr>
+              </a:buClr>
+              <a:buFont typeface="Lucida Grande"/>
+              <a:buChar char="∙"/>
+              <a:defRPr sz="1200" b="0" i="0" kern="1200">
+                <a:solidFill>
+                  <a:schemeClr val="tx1"/>
+                </a:solidFill>
+                <a:latin typeface="Calibri Light"/>
+                <a:ea typeface="+mn-ea"/>
+                <a:cs typeface="Calibri Light"/>
+              </a:defRPr>
+            </a:lvl5pPr>
+            <a:lvl6pPr marL="2514600" indent="-228600" algn="l" defTabSz="914400" rtl="0" eaLnBrk="1" latinLnBrk="0" hangingPunct="1">
+              <a:lnSpc>
+                <a:spcPct val="90000"/>
+              </a:lnSpc>
+              <a:spcBef>
+                <a:spcPts val="500"/>
+              </a:spcBef>
+              <a:buFont typeface="Arial" panose="020B0604020202020204" pitchFamily="34" charset="0"/>
+              <a:buChar char="•"/>
+              <a:defRPr sz="1800" kern="1200">
+                <a:solidFill>
+                  <a:schemeClr val="tx1"/>
+                </a:solidFill>
+                <a:latin typeface="+mn-lt"/>
+                <a:ea typeface="+mn-ea"/>
+                <a:cs typeface="+mn-cs"/>
+              </a:defRPr>
+            </a:lvl6pPr>
+            <a:lvl7pPr marL="2971800" indent="-228600" algn="l" defTabSz="914400" rtl="0" eaLnBrk="1" latinLnBrk="0" hangingPunct="1">
+              <a:lnSpc>
+                <a:spcPct val="90000"/>
+              </a:lnSpc>
+              <a:spcBef>
+                <a:spcPts val="500"/>
+              </a:spcBef>
+              <a:buFont typeface="Arial" panose="020B0604020202020204" pitchFamily="34" charset="0"/>
+              <a:buChar char="•"/>
+              <a:defRPr sz="1800" kern="1200">
+                <a:solidFill>
+                  <a:schemeClr val="tx1"/>
+                </a:solidFill>
+                <a:latin typeface="+mn-lt"/>
+                <a:ea typeface="+mn-ea"/>
+                <a:cs typeface="+mn-cs"/>
+              </a:defRPr>
+            </a:lvl7pPr>
+            <a:lvl8pPr marL="3429000" indent="-228600" algn="l" defTabSz="914400" rtl="0" eaLnBrk="1" latinLnBrk="0" hangingPunct="1">
+              <a:lnSpc>
+                <a:spcPct val="90000"/>
+              </a:lnSpc>
+              <a:spcBef>
+                <a:spcPts val="500"/>
+              </a:spcBef>
+              <a:buFont typeface="Arial" panose="020B0604020202020204" pitchFamily="34" charset="0"/>
+              <a:buChar char="•"/>
+              <a:defRPr sz="1800" kern="1200">
+                <a:solidFill>
+                  <a:schemeClr val="tx1"/>
+                </a:solidFill>
+                <a:latin typeface="+mn-lt"/>
+                <a:ea typeface="+mn-ea"/>
+                <a:cs typeface="+mn-cs"/>
+              </a:defRPr>
+            </a:lvl8pPr>
+            <a:lvl9pPr marL="3886200" indent="-228600" algn="l" defTabSz="914400" rtl="0" eaLnBrk="1" latinLnBrk="0" hangingPunct="1">
+              <a:lnSpc>
+                <a:spcPct val="90000"/>
+              </a:lnSpc>
+              <a:spcBef>
+                <a:spcPts val="500"/>
+              </a:spcBef>
+              <a:buFont typeface="Arial" panose="020B0604020202020204" pitchFamily="34" charset="0"/>
+              <a:buChar char="•"/>
+              <a:defRPr sz="1800" kern="1200">
+                <a:solidFill>
+                  <a:schemeClr val="tx1"/>
+                </a:solidFill>
+                <a:latin typeface="+mn-lt"/>
+                <a:ea typeface="+mn-ea"/>
+                <a:cs typeface="+mn-cs"/>
+              </a:defRPr>
+            </a:lvl9pPr>
+          </a:lstStyle>
+          <a:p>
+            <a:pPr lvl="1"/>
+            <a:endParaRPr lang="de-AT" dirty="0"/>
+          </a:p>
+          <a:p>
+            <a:r>
+              <a:rPr lang="en-US" dirty="0"/>
+              <a:t>Replace a Report with the new global Event publisher</a:t>
+            </a:r>
+          </a:p>
+          <a:p>
+            <a:pPr lvl="1"/>
+            <a:r>
+              <a:rPr lang="en-US" dirty="0"/>
+              <a:t>Only if the Report is called by </a:t>
+            </a:r>
+            <a:r>
+              <a:rPr lang="en-US" dirty="0" err="1"/>
+              <a:t>Objectname</a:t>
+            </a:r>
+            <a:r>
+              <a:rPr lang="en-US" dirty="0"/>
+              <a:t>/ID </a:t>
+            </a:r>
+            <a:r>
+              <a:rPr lang="en-US" dirty="0" err="1"/>
+              <a:t>e.g</a:t>
+            </a:r>
+            <a:r>
+              <a:rPr lang="en-US" dirty="0"/>
+              <a:t> </a:t>
+            </a:r>
+            <a:r>
+              <a:rPr lang="en-US" dirty="0" err="1"/>
+              <a:t>Report.RUN</a:t>
+            </a:r>
+            <a:r>
+              <a:rPr lang="en-US" dirty="0"/>
+              <a:t>(206) or for </a:t>
+            </a:r>
+            <a:r>
+              <a:rPr lang="en-US" dirty="0" err="1"/>
+              <a:t>RunObject</a:t>
+            </a:r>
+            <a:r>
+              <a:rPr lang="en-US" dirty="0"/>
+              <a:t> on action</a:t>
+            </a:r>
+          </a:p>
+          <a:p>
+            <a:pPr lvl="1"/>
+            <a:r>
+              <a:rPr lang="en-US" dirty="0"/>
+              <a:t>If you generate a variable of report 206 the </a:t>
+            </a:r>
+            <a:r>
+              <a:rPr lang="en-US"/>
+              <a:t>event is not fired</a:t>
+            </a:r>
+            <a:endParaRPr lang="en-US" dirty="0"/>
+          </a:p>
+        </p:txBody>
+      </p:sp>
+      <p:pic>
+        <p:nvPicPr>
+          <p:cNvPr id="10" name="Grafik 9">
+            <a:extLst>
+              <a:ext uri="{FF2B5EF4-FFF2-40B4-BE49-F238E27FC236}">
+                <a16:creationId xmlns:a16="http://schemas.microsoft.com/office/drawing/2014/main" id="{56EE3DE9-2F6A-416C-8E79-2BCD85C2B3C7}"/>
+              </a:ext>
+            </a:extLst>
+          </p:cNvPr>
+          <p:cNvPicPr>
+            <a:picLocks noChangeAspect="1"/>
+          </p:cNvPicPr>
+          <p:nvPr/>
+        </p:nvPicPr>
+        <p:blipFill>
+          <a:blip r:embed="rId4"/>
+          <a:stretch>
+            <a:fillRect/>
+          </a:stretch>
+        </p:blipFill>
+        <p:spPr>
+          <a:xfrm>
+            <a:off x="1049512" y="2763632"/>
+            <a:ext cx="10086975" cy="1933575"/>
+          </a:xfrm>
+          <a:prstGeom prst="rect">
+            <a:avLst/>
+          </a:prstGeom>
+        </p:spPr>
+      </p:pic>
+    </p:spTree>
+    <p:extLst>
+      <p:ext uri="{BB962C8B-B14F-4D97-AF65-F5344CB8AC3E}">
+        <p14:creationId xmlns:p14="http://schemas.microsoft.com/office/powerpoint/2010/main" val="1389193841"/>
+      </p:ext>
+    </p:extLst>
+  </p:cSld>
+  <p:clrMapOvr>
+    <a:masterClrMapping/>
+  </p:clrMapOvr>
+</p:sld>
+</file>
+
+<file path=ppt/slides/slide26.xml><?xml version="1.0" encoding="utf-8"?>
+<p:sld xmlns:a="http://schemas.openxmlformats.org/drawingml/2006/main" xmlns:r="http://schemas.openxmlformats.org/officeDocument/2006/relationships" xmlns:p="http://schemas.openxmlformats.org/presentationml/2006/main">
+  <p:cSld>
+    <p:spTree>
+      <p:nvGrpSpPr>
+        <p:cNvPr id="1" name=""/>
+        <p:cNvGrpSpPr/>
+        <p:nvPr/>
+      </p:nvGrpSpPr>
+      <p:grpSpPr>
+        <a:xfrm>
+          <a:off x="0" y="0"/>
+          <a:ext cx="0" cy="0"/>
+          <a:chOff x="0" y="0"/>
+          <a:chExt cx="0" cy="0"/>
+        </a:xfrm>
+      </p:grpSpPr>
+      <p:sp>
+        <p:nvSpPr>
+          <p:cNvPr id="2" name="Titel 1">
+            <a:extLst>
+              <a:ext uri="{FF2B5EF4-FFF2-40B4-BE49-F238E27FC236}">
+                <a16:creationId xmlns:a16="http://schemas.microsoft.com/office/drawing/2014/main" id="{E032E89A-4BD7-4E90-BF72-A3C9247E8FFF}"/>
+              </a:ext>
+            </a:extLst>
+          </p:cNvPr>
+          <p:cNvSpPr>
+            <a:spLocks noGrp="1"/>
+          </p:cNvSpPr>
+          <p:nvPr>
+            <p:ph type="title"/>
+          </p:nvPr>
+        </p:nvSpPr>
+        <p:spPr/>
+        <p:txBody>
+          <a:bodyPr/>
+          <a:lstStyle/>
+          <a:p>
+            <a:r>
+              <a:rPr lang="de-DE" dirty="0" err="1"/>
+              <a:t>Make</a:t>
+            </a:r>
+            <a:r>
+              <a:rPr lang="de-DE" dirty="0"/>
+              <a:t> </a:t>
+            </a:r>
+            <a:r>
+              <a:rPr lang="de-DE" dirty="0" err="1"/>
+              <a:t>reports</a:t>
+            </a:r>
+            <a:r>
+              <a:rPr lang="de-DE" dirty="0"/>
+              <a:t> extensible</a:t>
+            </a:r>
+          </a:p>
+        </p:txBody>
+      </p:sp>
+      <p:sp>
+        <p:nvSpPr>
+          <p:cNvPr id="3" name="Datumsplatzhalter 2">
+            <a:extLst>
+              <a:ext uri="{FF2B5EF4-FFF2-40B4-BE49-F238E27FC236}">
+                <a16:creationId xmlns:a16="http://schemas.microsoft.com/office/drawing/2014/main" id="{2D451171-57B6-4367-92A5-943B2986547F}"/>
+              </a:ext>
+            </a:extLst>
+          </p:cNvPr>
+          <p:cNvSpPr>
+            <a:spLocks noGrp="1"/>
+          </p:cNvSpPr>
+          <p:nvPr>
+            <p:ph type="dt" sz="half" idx="2"/>
+          </p:nvPr>
+        </p:nvSpPr>
+        <p:spPr/>
+        <p:txBody>
+          <a:bodyPr/>
+          <a:lstStyle/>
+          <a:p>
+            <a:r>
+              <a:rPr lang="de-DE"/>
+              <a:t>COSMO CONSULT-Gruppe</a:t>
+            </a:r>
+            <a:endParaRPr lang="de-DE" dirty="0"/>
+          </a:p>
+        </p:txBody>
+      </p:sp>
+      <p:sp>
+        <p:nvSpPr>
+          <p:cNvPr id="4" name="Foliennummernplatzhalter 3">
+            <a:extLst>
+              <a:ext uri="{FF2B5EF4-FFF2-40B4-BE49-F238E27FC236}">
+                <a16:creationId xmlns:a16="http://schemas.microsoft.com/office/drawing/2014/main" id="{F5BDA213-C01E-45A0-BB10-E139B1C1EB58}"/>
+              </a:ext>
+            </a:extLst>
+          </p:cNvPr>
+          <p:cNvSpPr>
+            <a:spLocks noGrp="1"/>
+          </p:cNvSpPr>
+          <p:nvPr>
+            <p:ph type="sldNum" sz="quarter" idx="4"/>
+          </p:nvPr>
+        </p:nvSpPr>
+        <p:spPr/>
+        <p:txBody>
+          <a:bodyPr/>
+          <a:lstStyle/>
+          <a:p>
+            <a:r>
+              <a:rPr lang="de-DE"/>
+              <a:t> </a:t>
+            </a:r>
+            <a:fld id="{F0389FF0-EA6C-204E-82DF-16D97CC1B00E}" type="slidenum">
+              <a:rPr lang="de-DE" smtClean="0"/>
+              <a:pPr/>
+              <a:t>26</a:t>
             </a:fld>
             <a:endParaRPr lang="de-DE" dirty="0"/>
           </a:p>
@@ -15057,7 +15917,7 @@
 </p:sld>
 </file>
 
-<file path=ppt/slides/slide25.xml><?xml version="1.0" encoding="utf-8"?>
+<file path=ppt/slides/slide27.xml><?xml version="1.0" encoding="utf-8"?>
 <p:sld xmlns:a="http://schemas.openxmlformats.org/drawingml/2006/main" xmlns:r="http://schemas.openxmlformats.org/officeDocument/2006/relationships" xmlns:p="http://schemas.openxmlformats.org/presentationml/2006/main">
   <p:cSld>
     <p:spTree>
@@ -15269,7 +16129,7 @@
             <a:fld id="{F0389FF0-EA6C-204E-82DF-16D97CC1B00E}" type="slidenum">
               <a:rPr lang="de-DE" smtClean="0"/>
               <a:pPr/>
-              <a:t>25</a:t>
+              <a:t>27</a:t>
             </a:fld>
             <a:endParaRPr lang="de-DE" dirty="0"/>
           </a:p>
@@ -18966,6 +19826,56 @@
 </file>
 
 <file path=customXml/item1.xml><?xml version="1.0" encoding="utf-8"?>
+<?mso-contentType ?>
+<spe:Receivers xmlns:spe="http://schemas.microsoft.com/sharepoint/events">
+  <Receiver>
+    <Name>Document ID Generator</Name>
+    <Synchronization>Synchronous</Synchronization>
+    <Type>10001</Type>
+    <SequenceNumber>1000</SequenceNumber>
+    <Url/>
+    <Assembly>Microsoft.Office.DocumentManagement, Version=16.0.0.0, Culture=neutral, PublicKeyToken=71e9bce111e9429c</Assembly>
+    <Class>Microsoft.Office.DocumentManagement.Internal.DocIdHandler</Class>
+    <Data/>
+    <Filter/>
+  </Receiver>
+  <Receiver>
+    <Name>Document ID Generator</Name>
+    <Synchronization>Synchronous</Synchronization>
+    <Type>10002</Type>
+    <SequenceNumber>1001</SequenceNumber>
+    <Url/>
+    <Assembly>Microsoft.Office.DocumentManagement, Version=16.0.0.0, Culture=neutral, PublicKeyToken=71e9bce111e9429c</Assembly>
+    <Class>Microsoft.Office.DocumentManagement.Internal.DocIdHandler</Class>
+    <Data/>
+    <Filter/>
+  </Receiver>
+  <Receiver>
+    <Name>Document ID Generator</Name>
+    <Synchronization>Synchronous</Synchronization>
+    <Type>10004</Type>
+    <SequenceNumber>1002</SequenceNumber>
+    <Url/>
+    <Assembly>Microsoft.Office.DocumentManagement, Version=16.0.0.0, Culture=neutral, PublicKeyToken=71e9bce111e9429c</Assembly>
+    <Class>Microsoft.Office.DocumentManagement.Internal.DocIdHandler</Class>
+    <Data/>
+    <Filter/>
+  </Receiver>
+  <Receiver>
+    <Name>Document ID Generator</Name>
+    <Synchronization>Synchronous</Synchronization>
+    <Type>10006</Type>
+    <SequenceNumber>1003</SequenceNumber>
+    <Url/>
+    <Assembly>Microsoft.Office.DocumentManagement, Version=16.0.0.0, Culture=neutral, PublicKeyToken=71e9bce111e9429c</Assembly>
+    <Class>Microsoft.Office.DocumentManagement.Internal.DocIdHandler</Class>
+    <Data/>
+    <Filter/>
+  </Receiver>
+</spe:Receivers>
+</file>
+
+<file path=customXml/item2.xml><?xml version="1.0" encoding="utf-8"?>
 <ct:contentTypeSchema xmlns:ct="http://schemas.microsoft.com/office/2006/metadata/contentType" xmlns:ma="http://schemas.microsoft.com/office/2006/metadata/properties/metaAttributes" ct:_="" ma:_="" ma:contentTypeName="OPS Document" ma:contentTypeID="0x0101002B2526F3368D7045BBB4E668F219EC2B010015401231F557BA49A4B8F145E611B5D4" ma:contentTypeVersion="90" ma:contentTypeDescription="New Operations Document " ma:contentTypeScope="" ma:versionID="92abb31aa773dae2bbba22a17c9d6265">
   <xsd:schema xmlns:xsd="http://www.w3.org/2001/XMLSchema" xmlns:xs="http://www.w3.org/2001/XMLSchema" xmlns:p="http://schemas.microsoft.com/office/2006/metadata/properties" xmlns:ns1="05542a94-bbbb-426b-8ce8-25e698cde4d1" xmlns:ns2="http://schemas.microsoft.com/sharepoint/v3" xmlns:ns3="abfa8901-7984-434c-b8fc-f6aa73d9b37f" targetNamespace="http://schemas.microsoft.com/office/2006/metadata/properties" ma:root="true" ma:fieldsID="22c802f0c35adb27e208b77e88f3ad1b" ns1:_="" ns2:_="" ns3:_="">
     <xsd:import namespace="05542a94-bbbb-426b-8ce8-25e698cde4d1"/>
@@ -19297,66 +20207,7 @@
 </ct:contentTypeSchema>
 </file>
 
-<file path=customXml/item2.xml><?xml version="1.0" encoding="utf-8"?>
-<?mso-contentType ?>
-<spe:Receivers xmlns:spe="http://schemas.microsoft.com/sharepoint/events">
-  <Receiver>
-    <Name>Document ID Generator</Name>
-    <Synchronization>Synchronous</Synchronization>
-    <Type>10001</Type>
-    <SequenceNumber>1000</SequenceNumber>
-    <Url/>
-    <Assembly>Microsoft.Office.DocumentManagement, Version=16.0.0.0, Culture=neutral, PublicKeyToken=71e9bce111e9429c</Assembly>
-    <Class>Microsoft.Office.DocumentManagement.Internal.DocIdHandler</Class>
-    <Data/>
-    <Filter/>
-  </Receiver>
-  <Receiver>
-    <Name>Document ID Generator</Name>
-    <Synchronization>Synchronous</Synchronization>
-    <Type>10002</Type>
-    <SequenceNumber>1001</SequenceNumber>
-    <Url/>
-    <Assembly>Microsoft.Office.DocumentManagement, Version=16.0.0.0, Culture=neutral, PublicKeyToken=71e9bce111e9429c</Assembly>
-    <Class>Microsoft.Office.DocumentManagement.Internal.DocIdHandler</Class>
-    <Data/>
-    <Filter/>
-  </Receiver>
-  <Receiver>
-    <Name>Document ID Generator</Name>
-    <Synchronization>Synchronous</Synchronization>
-    <Type>10004</Type>
-    <SequenceNumber>1002</SequenceNumber>
-    <Url/>
-    <Assembly>Microsoft.Office.DocumentManagement, Version=16.0.0.0, Culture=neutral, PublicKeyToken=71e9bce111e9429c</Assembly>
-    <Class>Microsoft.Office.DocumentManagement.Internal.DocIdHandler</Class>
-    <Data/>
-    <Filter/>
-  </Receiver>
-  <Receiver>
-    <Name>Document ID Generator</Name>
-    <Synchronization>Synchronous</Synchronization>
-    <Type>10006</Type>
-    <SequenceNumber>1003</SequenceNumber>
-    <Url/>
-    <Assembly>Microsoft.Office.DocumentManagement, Version=16.0.0.0, Culture=neutral, PublicKeyToken=71e9bce111e9429c</Assembly>
-    <Class>Microsoft.Office.DocumentManagement.Internal.DocIdHandler</Class>
-    <Data/>
-    <Filter/>
-  </Receiver>
-</spe:Receivers>
-</file>
-
 <file path=customXml/item3.xml><?xml version="1.0" encoding="utf-8"?>
-<?mso-contentType ?>
-<FormTemplates xmlns="http://schemas.microsoft.com/sharepoint/v3/contenttype/forms">
-  <Display>DocumentLibraryForm</Display>
-  <Edit>DocumentLibraryForm</Edit>
-  <New>DocumentLibraryForm</New>
-</FormTemplates>
-</file>
-
-<file path=customXml/item4.xml><?xml version="1.0" encoding="utf-8"?>
 <p:properties xmlns:p="http://schemas.microsoft.com/office/2006/metadata/properties" xmlns:xsi="http://www.w3.org/2001/XMLSchema-instance" xmlns:pc="http://schemas.microsoft.com/office/infopath/2007/PartnerControls">
   <documentManagement>
     <Language xmlns="http://schemas.microsoft.com/sharepoint/v3">German (Germany)</Language>
@@ -19415,7 +20266,24 @@
 </p:properties>
 </file>
 
+<file path=customXml/item4.xml><?xml version="1.0" encoding="utf-8"?>
+<?mso-contentType ?>
+<FormTemplates xmlns="http://schemas.microsoft.com/sharepoint/v3/contenttype/forms">
+  <Display>DocumentLibraryForm</Display>
+  <Edit>DocumentLibraryForm</Edit>
+  <New>DocumentLibraryForm</New>
+</FormTemplates>
+</file>
+
 <file path=customXml/itemProps1.xml><?xml version="1.0" encoding="utf-8"?>
+<ds:datastoreItem xmlns:ds="http://schemas.openxmlformats.org/officeDocument/2006/customXml" ds:itemID="{5ADA1370-68F4-4745-805F-0C4C3E045328}">
+  <ds:schemaRefs>
+    <ds:schemaRef ds:uri="http://schemas.microsoft.com/sharepoint/events"/>
+  </ds:schemaRefs>
+</ds:datastoreItem>
+</file>
+
+<file path=customXml/itemProps2.xml><?xml version="1.0" encoding="utf-8"?>
 <ds:datastoreItem xmlns:ds="http://schemas.openxmlformats.org/officeDocument/2006/customXml" ds:itemID="{E44BCC4D-9434-4917-87B1-CA8FE25E1641}">
   <ds:schemaRefs>
     <ds:schemaRef ds:uri="http://schemas.microsoft.com/office/2006/metadata/contentType"/>
@@ -19435,36 +20303,28 @@
 </ds:datastoreItem>
 </file>
 
-<file path=customXml/itemProps2.xml><?xml version="1.0" encoding="utf-8"?>
-<ds:datastoreItem xmlns:ds="http://schemas.openxmlformats.org/officeDocument/2006/customXml" ds:itemID="{5ADA1370-68F4-4745-805F-0C4C3E045328}">
+<file path=customXml/itemProps3.xml><?xml version="1.0" encoding="utf-8"?>
+<ds:datastoreItem xmlns:ds="http://schemas.openxmlformats.org/officeDocument/2006/customXml" ds:itemID="{64265CDB-1D76-4595-A44E-F1D914D02906}">
   <ds:schemaRefs>
-    <ds:schemaRef ds:uri="http://schemas.microsoft.com/sharepoint/events"/>
+    <ds:schemaRef ds:uri="abfa8901-7984-434c-b8fc-f6aa73d9b37f"/>
+    <ds:schemaRef ds:uri="http://schemas.microsoft.com/office/2006/metadata/properties"/>
+    <ds:schemaRef ds:uri="http://purl.org/dc/dcmitype/"/>
+    <ds:schemaRef ds:uri="http://schemas.openxmlformats.org/package/2006/metadata/core-properties"/>
+    <ds:schemaRef ds:uri="http://schemas.microsoft.com/office/2006/documentManagement/types"/>
+    <ds:schemaRef ds:uri="http://www.w3.org/XML/1998/namespace"/>
+    <ds:schemaRef ds:uri="http://schemas.microsoft.com/sharepoint/v3"/>
+    <ds:schemaRef ds:uri="http://purl.org/dc/terms/"/>
+    <ds:schemaRef ds:uri="http://schemas.microsoft.com/office/infopath/2007/PartnerControls"/>
+    <ds:schemaRef ds:uri="05542a94-bbbb-426b-8ce8-25e698cde4d1"/>
+    <ds:schemaRef ds:uri="http://purl.org/dc/elements/1.1/"/>
   </ds:schemaRefs>
 </ds:datastoreItem>
 </file>
 
-<file path=customXml/itemProps3.xml><?xml version="1.0" encoding="utf-8"?>
+<file path=customXml/itemProps4.xml><?xml version="1.0" encoding="utf-8"?>
 <ds:datastoreItem xmlns:ds="http://schemas.openxmlformats.org/officeDocument/2006/customXml" ds:itemID="{168AFA90-FB33-4D4C-AE6E-75F6F2BBEEAA}">
   <ds:schemaRefs>
     <ds:schemaRef ds:uri="http://schemas.microsoft.com/sharepoint/v3/contenttype/forms"/>
   </ds:schemaRefs>
 </ds:datastoreItem>
-</file>
-
-<file path=customXml/itemProps4.xml><?xml version="1.0" encoding="utf-8"?>
-<ds:datastoreItem xmlns:ds="http://schemas.openxmlformats.org/officeDocument/2006/customXml" ds:itemID="{64265CDB-1D76-4595-A44E-F1D914D02906}">
-  <ds:schemaRefs>
-    <ds:schemaRef ds:uri="http://schemas.microsoft.com/sharepoint/v3"/>
-    <ds:schemaRef ds:uri="http://purl.org/dc/terms/"/>
-    <ds:schemaRef ds:uri="http://schemas.microsoft.com/office/infopath/2007/PartnerControls"/>
-    <ds:schemaRef ds:uri="http://purl.org/dc/dcmitype/"/>
-    <ds:schemaRef ds:uri="05542a94-bbbb-426b-8ce8-25e698cde4d1"/>
-    <ds:schemaRef ds:uri="abfa8901-7984-434c-b8fc-f6aa73d9b37f"/>
-    <ds:schemaRef ds:uri="http://schemas.microsoft.com/office/2006/documentManagement/types"/>
-    <ds:schemaRef ds:uri="http://purl.org/dc/elements/1.1/"/>
-    <ds:schemaRef ds:uri="http://schemas.openxmlformats.org/package/2006/metadata/core-properties"/>
-    <ds:schemaRef ds:uri="http://schemas.microsoft.com/office/2006/metadata/properties"/>
-    <ds:schemaRef ds:uri="http://www.w3.org/XML/1998/namespace"/>
-  </ds:schemaRefs>
-</ds:datastoreItem>
 </file>